--- a/ppt 16-9/0940.先贤之信.pptx
+++ b/ppt 16-9/0940.先贤之信.pptx
@@ -129,7 +129,7 @@
           <p:cNvPr id="2" name="标题 1">
             <a:extLst>
               <a:ext uri="{FF2B5EF4-FFF2-40B4-BE49-F238E27FC236}">
-                <a16:creationId xmlns:a16="http://schemas.microsoft.com/office/drawing/2014/main" id="{7AC37C1A-28E1-560D-FEB4-D9E8CC8D579C}"/>
+                <a16:creationId xmlns:a16="http://schemas.microsoft.com/office/drawing/2014/main" id="{733A9F97-44C7-A8A9-A219-26AF626B502E}"/>
               </a:ext>
             </a:extLst>
           </p:cNvPr>
@@ -166,7 +166,7 @@
           <p:cNvPr id="3" name="副标题 2">
             <a:extLst>
               <a:ext uri="{FF2B5EF4-FFF2-40B4-BE49-F238E27FC236}">
-                <a16:creationId xmlns:a16="http://schemas.microsoft.com/office/drawing/2014/main" id="{BE91FEA5-CC4D-C062-4893-5EDD02BEEE89}"/>
+                <a16:creationId xmlns:a16="http://schemas.microsoft.com/office/drawing/2014/main" id="{D874D7A5-DA74-9ACD-65AB-B616E0709D4C}"/>
               </a:ext>
             </a:extLst>
           </p:cNvPr>
@@ -236,7 +236,7 @@
           <p:cNvPr id="4" name="日期占位符 3">
             <a:extLst>
               <a:ext uri="{FF2B5EF4-FFF2-40B4-BE49-F238E27FC236}">
-                <a16:creationId xmlns:a16="http://schemas.microsoft.com/office/drawing/2014/main" id="{78CB09BA-D5A3-D5D7-4D66-3653594785F4}"/>
+                <a16:creationId xmlns:a16="http://schemas.microsoft.com/office/drawing/2014/main" id="{CF0CFFEC-3CAD-4872-CA41-583DC9119D0E}"/>
               </a:ext>
             </a:extLst>
           </p:cNvPr>
@@ -252,7 +252,7 @@
           <a:bodyPr/>
           <a:lstStyle/>
           <a:p>
-            <a:fld id="{6BEF7D6A-D9F8-401C-9842-8962F4C9FA1C}" type="datetimeFigureOut">
+            <a:fld id="{28D4FBC5-0DB7-445B-BD32-F43F54E2C1B9}" type="datetimeFigureOut">
               <a:rPr lang="zh-CN" altLang="en-US" smtClean="0"/>
               <a:t>2024/3/10</a:t>
             </a:fld>
@@ -265,7 +265,7 @@
           <p:cNvPr id="5" name="页脚占位符 4">
             <a:extLst>
               <a:ext uri="{FF2B5EF4-FFF2-40B4-BE49-F238E27FC236}">
-                <a16:creationId xmlns:a16="http://schemas.microsoft.com/office/drawing/2014/main" id="{EEFA22F5-090D-8789-8104-A5CFC5FA31E5}"/>
+                <a16:creationId xmlns:a16="http://schemas.microsoft.com/office/drawing/2014/main" id="{7320F189-3856-CF08-681A-A9352ED2B3E0}"/>
               </a:ext>
             </a:extLst>
           </p:cNvPr>
@@ -290,7 +290,7 @@
           <p:cNvPr id="6" name="灯片编号占位符 5">
             <a:extLst>
               <a:ext uri="{FF2B5EF4-FFF2-40B4-BE49-F238E27FC236}">
-                <a16:creationId xmlns:a16="http://schemas.microsoft.com/office/drawing/2014/main" id="{B0947659-3E36-C9AF-AC11-FBE20C262E31}"/>
+                <a16:creationId xmlns:a16="http://schemas.microsoft.com/office/drawing/2014/main" id="{20EDBCDB-101A-C586-274B-597E894A2536}"/>
               </a:ext>
             </a:extLst>
           </p:cNvPr>
@@ -306,7 +306,7 @@
           <a:bodyPr/>
           <a:lstStyle/>
           <a:p>
-            <a:fld id="{8FBC8E9A-688F-426C-9428-17224A6850AF}" type="slidenum">
+            <a:fld id="{2039D4CA-0E5A-4E7B-B8E5-60D4545F84F4}" type="slidenum">
               <a:rPr lang="zh-CN" altLang="en-US" smtClean="0"/>
               <a:t>‹#›</a:t>
             </a:fld>
@@ -317,7 +317,7 @@
     </p:spTree>
     <p:extLst>
       <p:ext uri="{BB962C8B-B14F-4D97-AF65-F5344CB8AC3E}">
-        <p14:creationId xmlns:p14="http://schemas.microsoft.com/office/powerpoint/2010/main" val="877192540"/>
+        <p14:creationId xmlns:p14="http://schemas.microsoft.com/office/powerpoint/2010/main" val="2451176593"/>
       </p:ext>
     </p:extLst>
   </p:cSld>
@@ -349,7 +349,7 @@
           <p:cNvPr id="2" name="标题 1">
             <a:extLst>
               <a:ext uri="{FF2B5EF4-FFF2-40B4-BE49-F238E27FC236}">
-                <a16:creationId xmlns:a16="http://schemas.microsoft.com/office/drawing/2014/main" id="{B9298E23-F51E-3451-B18B-2BED129A7DEF}"/>
+                <a16:creationId xmlns:a16="http://schemas.microsoft.com/office/drawing/2014/main" id="{930852CF-4824-489B-C545-06569EA1985C}"/>
               </a:ext>
             </a:extLst>
           </p:cNvPr>
@@ -377,7 +377,7 @@
           <p:cNvPr id="3" name="竖排文字占位符 2">
             <a:extLst>
               <a:ext uri="{FF2B5EF4-FFF2-40B4-BE49-F238E27FC236}">
-                <a16:creationId xmlns:a16="http://schemas.microsoft.com/office/drawing/2014/main" id="{1ACF9D65-8116-C925-4425-FD19ED231597}"/>
+                <a16:creationId xmlns:a16="http://schemas.microsoft.com/office/drawing/2014/main" id="{1DD8D88B-258D-06FC-E4B8-A3A090EDB5DE}"/>
               </a:ext>
             </a:extLst>
           </p:cNvPr>
@@ -434,7 +434,7 @@
           <p:cNvPr id="4" name="日期占位符 3">
             <a:extLst>
               <a:ext uri="{FF2B5EF4-FFF2-40B4-BE49-F238E27FC236}">
-                <a16:creationId xmlns:a16="http://schemas.microsoft.com/office/drawing/2014/main" id="{BA9BD5B4-0F49-ADBE-2A69-AF31D3D8F89D}"/>
+                <a16:creationId xmlns:a16="http://schemas.microsoft.com/office/drawing/2014/main" id="{124E3863-9D67-997C-E880-1F1C12F6C7B9}"/>
               </a:ext>
             </a:extLst>
           </p:cNvPr>
@@ -450,7 +450,7 @@
           <a:bodyPr/>
           <a:lstStyle/>
           <a:p>
-            <a:fld id="{6BEF7D6A-D9F8-401C-9842-8962F4C9FA1C}" type="datetimeFigureOut">
+            <a:fld id="{28D4FBC5-0DB7-445B-BD32-F43F54E2C1B9}" type="datetimeFigureOut">
               <a:rPr lang="zh-CN" altLang="en-US" smtClean="0"/>
               <a:t>2024/3/10</a:t>
             </a:fld>
@@ -463,7 +463,7 @@
           <p:cNvPr id="5" name="页脚占位符 4">
             <a:extLst>
               <a:ext uri="{FF2B5EF4-FFF2-40B4-BE49-F238E27FC236}">
-                <a16:creationId xmlns:a16="http://schemas.microsoft.com/office/drawing/2014/main" id="{770B491C-7CCE-987A-D35F-3A93CC350C3E}"/>
+                <a16:creationId xmlns:a16="http://schemas.microsoft.com/office/drawing/2014/main" id="{4E3BF5C2-DC4F-5068-A438-7B22CF859964}"/>
               </a:ext>
             </a:extLst>
           </p:cNvPr>
@@ -488,7 +488,7 @@
           <p:cNvPr id="6" name="灯片编号占位符 5">
             <a:extLst>
               <a:ext uri="{FF2B5EF4-FFF2-40B4-BE49-F238E27FC236}">
-                <a16:creationId xmlns:a16="http://schemas.microsoft.com/office/drawing/2014/main" id="{E0249025-A050-68AC-EA9E-DD65FB6B4EF4}"/>
+                <a16:creationId xmlns:a16="http://schemas.microsoft.com/office/drawing/2014/main" id="{E96CF308-1FC1-44B1-AF03-D5FD71802EB8}"/>
               </a:ext>
             </a:extLst>
           </p:cNvPr>
@@ -504,7 +504,7 @@
           <a:bodyPr/>
           <a:lstStyle/>
           <a:p>
-            <a:fld id="{8FBC8E9A-688F-426C-9428-17224A6850AF}" type="slidenum">
+            <a:fld id="{2039D4CA-0E5A-4E7B-B8E5-60D4545F84F4}" type="slidenum">
               <a:rPr lang="zh-CN" altLang="en-US" smtClean="0"/>
               <a:t>‹#›</a:t>
             </a:fld>
@@ -515,7 +515,7 @@
     </p:spTree>
     <p:extLst>
       <p:ext uri="{BB962C8B-B14F-4D97-AF65-F5344CB8AC3E}">
-        <p14:creationId xmlns:p14="http://schemas.microsoft.com/office/powerpoint/2010/main" val="4196779157"/>
+        <p14:creationId xmlns:p14="http://schemas.microsoft.com/office/powerpoint/2010/main" val="4213928917"/>
       </p:ext>
     </p:extLst>
   </p:cSld>
@@ -547,7 +547,7 @@
           <p:cNvPr id="2" name="竖排标题 1">
             <a:extLst>
               <a:ext uri="{FF2B5EF4-FFF2-40B4-BE49-F238E27FC236}">
-                <a16:creationId xmlns:a16="http://schemas.microsoft.com/office/drawing/2014/main" id="{569E4300-394B-E94C-385F-3CA5FE7870F3}"/>
+                <a16:creationId xmlns:a16="http://schemas.microsoft.com/office/drawing/2014/main" id="{FB720FA6-56F3-7045-EEC1-18A9518B503C}"/>
               </a:ext>
             </a:extLst>
           </p:cNvPr>
@@ -580,7 +580,7 @@
           <p:cNvPr id="3" name="竖排文字占位符 2">
             <a:extLst>
               <a:ext uri="{FF2B5EF4-FFF2-40B4-BE49-F238E27FC236}">
-                <a16:creationId xmlns:a16="http://schemas.microsoft.com/office/drawing/2014/main" id="{F4278E1C-D7CC-4E65-9668-9B6D81E717D7}"/>
+                <a16:creationId xmlns:a16="http://schemas.microsoft.com/office/drawing/2014/main" id="{DF913BD8-412C-4212-453A-F632BC37E0E9}"/>
               </a:ext>
             </a:extLst>
           </p:cNvPr>
@@ -642,7 +642,7 @@
           <p:cNvPr id="4" name="日期占位符 3">
             <a:extLst>
               <a:ext uri="{FF2B5EF4-FFF2-40B4-BE49-F238E27FC236}">
-                <a16:creationId xmlns:a16="http://schemas.microsoft.com/office/drawing/2014/main" id="{8D8E9042-81BD-C3C3-0DB9-785BDF60639C}"/>
+                <a16:creationId xmlns:a16="http://schemas.microsoft.com/office/drawing/2014/main" id="{5CD69FB4-C0D6-11A6-0D46-249DAE5C0D93}"/>
               </a:ext>
             </a:extLst>
           </p:cNvPr>
@@ -658,7 +658,7 @@
           <a:bodyPr/>
           <a:lstStyle/>
           <a:p>
-            <a:fld id="{6BEF7D6A-D9F8-401C-9842-8962F4C9FA1C}" type="datetimeFigureOut">
+            <a:fld id="{28D4FBC5-0DB7-445B-BD32-F43F54E2C1B9}" type="datetimeFigureOut">
               <a:rPr lang="zh-CN" altLang="en-US" smtClean="0"/>
               <a:t>2024/3/10</a:t>
             </a:fld>
@@ -671,7 +671,7 @@
           <p:cNvPr id="5" name="页脚占位符 4">
             <a:extLst>
               <a:ext uri="{FF2B5EF4-FFF2-40B4-BE49-F238E27FC236}">
-                <a16:creationId xmlns:a16="http://schemas.microsoft.com/office/drawing/2014/main" id="{8A42A871-9B06-C5A7-FCED-3AEFB22178F3}"/>
+                <a16:creationId xmlns:a16="http://schemas.microsoft.com/office/drawing/2014/main" id="{C8922030-F995-7486-13C2-CBA6FE9F887E}"/>
               </a:ext>
             </a:extLst>
           </p:cNvPr>
@@ -696,7 +696,7 @@
           <p:cNvPr id="6" name="灯片编号占位符 5">
             <a:extLst>
               <a:ext uri="{FF2B5EF4-FFF2-40B4-BE49-F238E27FC236}">
-                <a16:creationId xmlns:a16="http://schemas.microsoft.com/office/drawing/2014/main" id="{9ADF0FA1-AE80-AAD1-5573-981827CD9C1E}"/>
+                <a16:creationId xmlns:a16="http://schemas.microsoft.com/office/drawing/2014/main" id="{0DD09817-25F3-7C18-53B1-899AF7616762}"/>
               </a:ext>
             </a:extLst>
           </p:cNvPr>
@@ -712,7 +712,7 @@
           <a:bodyPr/>
           <a:lstStyle/>
           <a:p>
-            <a:fld id="{8FBC8E9A-688F-426C-9428-17224A6850AF}" type="slidenum">
+            <a:fld id="{2039D4CA-0E5A-4E7B-B8E5-60D4545F84F4}" type="slidenum">
               <a:rPr lang="zh-CN" altLang="en-US" smtClean="0"/>
               <a:t>‹#›</a:t>
             </a:fld>
@@ -723,7 +723,7 @@
     </p:spTree>
     <p:extLst>
       <p:ext uri="{BB962C8B-B14F-4D97-AF65-F5344CB8AC3E}">
-        <p14:creationId xmlns:p14="http://schemas.microsoft.com/office/powerpoint/2010/main" val="1354434905"/>
+        <p14:creationId xmlns:p14="http://schemas.microsoft.com/office/powerpoint/2010/main" val="4279720692"/>
       </p:ext>
     </p:extLst>
   </p:cSld>
@@ -755,7 +755,7 @@
           <p:cNvPr id="2" name="标题 1">
             <a:extLst>
               <a:ext uri="{FF2B5EF4-FFF2-40B4-BE49-F238E27FC236}">
-                <a16:creationId xmlns:a16="http://schemas.microsoft.com/office/drawing/2014/main" id="{19C09DA1-CA8A-12D3-E8E4-37E49621FBB5}"/>
+                <a16:creationId xmlns:a16="http://schemas.microsoft.com/office/drawing/2014/main" id="{2995A623-1510-FEAB-2482-A98612D4C24D}"/>
               </a:ext>
             </a:extLst>
           </p:cNvPr>
@@ -783,7 +783,7 @@
           <p:cNvPr id="3" name="内容占位符 2">
             <a:extLst>
               <a:ext uri="{FF2B5EF4-FFF2-40B4-BE49-F238E27FC236}">
-                <a16:creationId xmlns:a16="http://schemas.microsoft.com/office/drawing/2014/main" id="{D3FC600D-0820-BFC4-D8D1-A1E6C3E07EFB}"/>
+                <a16:creationId xmlns:a16="http://schemas.microsoft.com/office/drawing/2014/main" id="{49E3CD4A-7884-AF2E-D540-D19986776B90}"/>
               </a:ext>
             </a:extLst>
           </p:cNvPr>
@@ -840,7 +840,7 @@
           <p:cNvPr id="4" name="日期占位符 3">
             <a:extLst>
               <a:ext uri="{FF2B5EF4-FFF2-40B4-BE49-F238E27FC236}">
-                <a16:creationId xmlns:a16="http://schemas.microsoft.com/office/drawing/2014/main" id="{7D806C7E-0C57-22BB-81B7-BB9C75BEF3F0}"/>
+                <a16:creationId xmlns:a16="http://schemas.microsoft.com/office/drawing/2014/main" id="{5765EF5F-3BE3-8D7C-B83C-AB6EE1D3E40C}"/>
               </a:ext>
             </a:extLst>
           </p:cNvPr>
@@ -856,7 +856,7 @@
           <a:bodyPr/>
           <a:lstStyle/>
           <a:p>
-            <a:fld id="{6BEF7D6A-D9F8-401C-9842-8962F4C9FA1C}" type="datetimeFigureOut">
+            <a:fld id="{28D4FBC5-0DB7-445B-BD32-F43F54E2C1B9}" type="datetimeFigureOut">
               <a:rPr lang="zh-CN" altLang="en-US" smtClean="0"/>
               <a:t>2024/3/10</a:t>
             </a:fld>
@@ -869,7 +869,7 @@
           <p:cNvPr id="5" name="页脚占位符 4">
             <a:extLst>
               <a:ext uri="{FF2B5EF4-FFF2-40B4-BE49-F238E27FC236}">
-                <a16:creationId xmlns:a16="http://schemas.microsoft.com/office/drawing/2014/main" id="{B2B4CD74-ED55-8347-07FF-79DF42B4E3B6}"/>
+                <a16:creationId xmlns:a16="http://schemas.microsoft.com/office/drawing/2014/main" id="{3CFA9919-AF81-D7C1-EA8F-3DF5545D946A}"/>
               </a:ext>
             </a:extLst>
           </p:cNvPr>
@@ -894,7 +894,7 @@
           <p:cNvPr id="6" name="灯片编号占位符 5">
             <a:extLst>
               <a:ext uri="{FF2B5EF4-FFF2-40B4-BE49-F238E27FC236}">
-                <a16:creationId xmlns:a16="http://schemas.microsoft.com/office/drawing/2014/main" id="{4D32D985-136A-DF5D-ABCF-65D67BE50392}"/>
+                <a16:creationId xmlns:a16="http://schemas.microsoft.com/office/drawing/2014/main" id="{DF405A2C-1C3B-661C-C80D-4212E5D2FDED}"/>
               </a:ext>
             </a:extLst>
           </p:cNvPr>
@@ -910,7 +910,7 @@
           <a:bodyPr/>
           <a:lstStyle/>
           <a:p>
-            <a:fld id="{8FBC8E9A-688F-426C-9428-17224A6850AF}" type="slidenum">
+            <a:fld id="{2039D4CA-0E5A-4E7B-B8E5-60D4545F84F4}" type="slidenum">
               <a:rPr lang="zh-CN" altLang="en-US" smtClean="0"/>
               <a:t>‹#›</a:t>
             </a:fld>
@@ -921,7 +921,7 @@
     </p:spTree>
     <p:extLst>
       <p:ext uri="{BB962C8B-B14F-4D97-AF65-F5344CB8AC3E}">
-        <p14:creationId xmlns:p14="http://schemas.microsoft.com/office/powerpoint/2010/main" val="3759152073"/>
+        <p14:creationId xmlns:p14="http://schemas.microsoft.com/office/powerpoint/2010/main" val="3211020469"/>
       </p:ext>
     </p:extLst>
   </p:cSld>
@@ -953,7 +953,7 @@
           <p:cNvPr id="2" name="标题 1">
             <a:extLst>
               <a:ext uri="{FF2B5EF4-FFF2-40B4-BE49-F238E27FC236}">
-                <a16:creationId xmlns:a16="http://schemas.microsoft.com/office/drawing/2014/main" id="{0E55B4FE-B606-8105-8FA3-9039BFEF30C2}"/>
+                <a16:creationId xmlns:a16="http://schemas.microsoft.com/office/drawing/2014/main" id="{3A0DB7E8-4C3D-FB9B-4256-3B4C14B2D1B4}"/>
               </a:ext>
             </a:extLst>
           </p:cNvPr>
@@ -990,7 +990,7 @@
           <p:cNvPr id="3" name="文本占位符 2">
             <a:extLst>
               <a:ext uri="{FF2B5EF4-FFF2-40B4-BE49-F238E27FC236}">
-                <a16:creationId xmlns:a16="http://schemas.microsoft.com/office/drawing/2014/main" id="{7BE56854-5C6F-265C-89C3-B1052191A26C}"/>
+                <a16:creationId xmlns:a16="http://schemas.microsoft.com/office/drawing/2014/main" id="{5469D7F8-7156-21CB-B0CA-63FEE5C302DB}"/>
               </a:ext>
             </a:extLst>
           </p:cNvPr>
@@ -1115,7 +1115,7 @@
           <p:cNvPr id="4" name="日期占位符 3">
             <a:extLst>
               <a:ext uri="{FF2B5EF4-FFF2-40B4-BE49-F238E27FC236}">
-                <a16:creationId xmlns:a16="http://schemas.microsoft.com/office/drawing/2014/main" id="{DF999A8F-7334-A515-013A-885167788058}"/>
+                <a16:creationId xmlns:a16="http://schemas.microsoft.com/office/drawing/2014/main" id="{FFECC90C-F1A1-943A-BED7-665858E0FA1E}"/>
               </a:ext>
             </a:extLst>
           </p:cNvPr>
@@ -1131,7 +1131,7 @@
           <a:bodyPr/>
           <a:lstStyle/>
           <a:p>
-            <a:fld id="{6BEF7D6A-D9F8-401C-9842-8962F4C9FA1C}" type="datetimeFigureOut">
+            <a:fld id="{28D4FBC5-0DB7-445B-BD32-F43F54E2C1B9}" type="datetimeFigureOut">
               <a:rPr lang="zh-CN" altLang="en-US" smtClean="0"/>
               <a:t>2024/3/10</a:t>
             </a:fld>
@@ -1144,7 +1144,7 @@
           <p:cNvPr id="5" name="页脚占位符 4">
             <a:extLst>
               <a:ext uri="{FF2B5EF4-FFF2-40B4-BE49-F238E27FC236}">
-                <a16:creationId xmlns:a16="http://schemas.microsoft.com/office/drawing/2014/main" id="{02BDA7DA-EBFA-651F-3AF6-52A35AEC537D}"/>
+                <a16:creationId xmlns:a16="http://schemas.microsoft.com/office/drawing/2014/main" id="{4959E745-0966-988B-461F-C250326C244F}"/>
               </a:ext>
             </a:extLst>
           </p:cNvPr>
@@ -1169,7 +1169,7 @@
           <p:cNvPr id="6" name="灯片编号占位符 5">
             <a:extLst>
               <a:ext uri="{FF2B5EF4-FFF2-40B4-BE49-F238E27FC236}">
-                <a16:creationId xmlns:a16="http://schemas.microsoft.com/office/drawing/2014/main" id="{6AA1C38B-F413-0489-09D9-17A34B1E11EF}"/>
+                <a16:creationId xmlns:a16="http://schemas.microsoft.com/office/drawing/2014/main" id="{DCAAAF1E-C40E-5283-7514-28F2BD4CF862}"/>
               </a:ext>
             </a:extLst>
           </p:cNvPr>
@@ -1185,7 +1185,7 @@
           <a:bodyPr/>
           <a:lstStyle/>
           <a:p>
-            <a:fld id="{8FBC8E9A-688F-426C-9428-17224A6850AF}" type="slidenum">
+            <a:fld id="{2039D4CA-0E5A-4E7B-B8E5-60D4545F84F4}" type="slidenum">
               <a:rPr lang="zh-CN" altLang="en-US" smtClean="0"/>
               <a:t>‹#›</a:t>
             </a:fld>
@@ -1196,7 +1196,7 @@
     </p:spTree>
     <p:extLst>
       <p:ext uri="{BB962C8B-B14F-4D97-AF65-F5344CB8AC3E}">
-        <p14:creationId xmlns:p14="http://schemas.microsoft.com/office/powerpoint/2010/main" val="4112452282"/>
+        <p14:creationId xmlns:p14="http://schemas.microsoft.com/office/powerpoint/2010/main" val="371944583"/>
       </p:ext>
     </p:extLst>
   </p:cSld>
@@ -1228,7 +1228,7 @@
           <p:cNvPr id="2" name="标题 1">
             <a:extLst>
               <a:ext uri="{FF2B5EF4-FFF2-40B4-BE49-F238E27FC236}">
-                <a16:creationId xmlns:a16="http://schemas.microsoft.com/office/drawing/2014/main" id="{F3E44BBF-1B1D-A94D-CC02-68BFFB7D2403}"/>
+                <a16:creationId xmlns:a16="http://schemas.microsoft.com/office/drawing/2014/main" id="{47B57D11-533C-76C9-3447-6BACF7B56690}"/>
               </a:ext>
             </a:extLst>
           </p:cNvPr>
@@ -1256,7 +1256,7 @@
           <p:cNvPr id="3" name="内容占位符 2">
             <a:extLst>
               <a:ext uri="{FF2B5EF4-FFF2-40B4-BE49-F238E27FC236}">
-                <a16:creationId xmlns:a16="http://schemas.microsoft.com/office/drawing/2014/main" id="{D1E3C281-35C6-38E8-60C8-2B5B9BB5B7DA}"/>
+                <a16:creationId xmlns:a16="http://schemas.microsoft.com/office/drawing/2014/main" id="{61286F8E-84A5-1266-70E8-5B198DDC715B}"/>
               </a:ext>
             </a:extLst>
           </p:cNvPr>
@@ -1318,7 +1318,7 @@
           <p:cNvPr id="4" name="内容占位符 3">
             <a:extLst>
               <a:ext uri="{FF2B5EF4-FFF2-40B4-BE49-F238E27FC236}">
-                <a16:creationId xmlns:a16="http://schemas.microsoft.com/office/drawing/2014/main" id="{2A584980-1F5C-A860-F454-4B7F3127757A}"/>
+                <a16:creationId xmlns:a16="http://schemas.microsoft.com/office/drawing/2014/main" id="{88179F18-36FA-0239-61FA-EB193F30D714}"/>
               </a:ext>
             </a:extLst>
           </p:cNvPr>
@@ -1380,7 +1380,7 @@
           <p:cNvPr id="5" name="日期占位符 4">
             <a:extLst>
               <a:ext uri="{FF2B5EF4-FFF2-40B4-BE49-F238E27FC236}">
-                <a16:creationId xmlns:a16="http://schemas.microsoft.com/office/drawing/2014/main" id="{5BD0532F-091D-8FA1-A715-51B1D19ADD84}"/>
+                <a16:creationId xmlns:a16="http://schemas.microsoft.com/office/drawing/2014/main" id="{F3CFF4C8-7795-C8F8-0EE7-19D1CAEDA170}"/>
               </a:ext>
             </a:extLst>
           </p:cNvPr>
@@ -1396,7 +1396,7 @@
           <a:bodyPr/>
           <a:lstStyle/>
           <a:p>
-            <a:fld id="{6BEF7D6A-D9F8-401C-9842-8962F4C9FA1C}" type="datetimeFigureOut">
+            <a:fld id="{28D4FBC5-0DB7-445B-BD32-F43F54E2C1B9}" type="datetimeFigureOut">
               <a:rPr lang="zh-CN" altLang="en-US" smtClean="0"/>
               <a:t>2024/3/10</a:t>
             </a:fld>
@@ -1409,7 +1409,7 @@
           <p:cNvPr id="6" name="页脚占位符 5">
             <a:extLst>
               <a:ext uri="{FF2B5EF4-FFF2-40B4-BE49-F238E27FC236}">
-                <a16:creationId xmlns:a16="http://schemas.microsoft.com/office/drawing/2014/main" id="{460435BF-39EC-86BA-05B9-0495325D0799}"/>
+                <a16:creationId xmlns:a16="http://schemas.microsoft.com/office/drawing/2014/main" id="{8B91F6EB-E41F-FB8C-38E2-4E7CD7CF6379}"/>
               </a:ext>
             </a:extLst>
           </p:cNvPr>
@@ -1434,7 +1434,7 @@
           <p:cNvPr id="7" name="灯片编号占位符 6">
             <a:extLst>
               <a:ext uri="{FF2B5EF4-FFF2-40B4-BE49-F238E27FC236}">
-                <a16:creationId xmlns:a16="http://schemas.microsoft.com/office/drawing/2014/main" id="{F80B5959-41A1-5A6D-9E9C-A8AC22723B61}"/>
+                <a16:creationId xmlns:a16="http://schemas.microsoft.com/office/drawing/2014/main" id="{97E4743F-908D-25C2-8BF6-B4D444FC9830}"/>
               </a:ext>
             </a:extLst>
           </p:cNvPr>
@@ -1450,7 +1450,7 @@
           <a:bodyPr/>
           <a:lstStyle/>
           <a:p>
-            <a:fld id="{8FBC8E9A-688F-426C-9428-17224A6850AF}" type="slidenum">
+            <a:fld id="{2039D4CA-0E5A-4E7B-B8E5-60D4545F84F4}" type="slidenum">
               <a:rPr lang="zh-CN" altLang="en-US" smtClean="0"/>
               <a:t>‹#›</a:t>
             </a:fld>
@@ -1461,7 +1461,7 @@
     </p:spTree>
     <p:extLst>
       <p:ext uri="{BB962C8B-B14F-4D97-AF65-F5344CB8AC3E}">
-        <p14:creationId xmlns:p14="http://schemas.microsoft.com/office/powerpoint/2010/main" val="2784240724"/>
+        <p14:creationId xmlns:p14="http://schemas.microsoft.com/office/powerpoint/2010/main" val="2792499277"/>
       </p:ext>
     </p:extLst>
   </p:cSld>
@@ -1493,7 +1493,7 @@
           <p:cNvPr id="2" name="标题 1">
             <a:extLst>
               <a:ext uri="{FF2B5EF4-FFF2-40B4-BE49-F238E27FC236}">
-                <a16:creationId xmlns:a16="http://schemas.microsoft.com/office/drawing/2014/main" id="{92E32E9B-5F15-89BC-C3B2-13B2947798C2}"/>
+                <a16:creationId xmlns:a16="http://schemas.microsoft.com/office/drawing/2014/main" id="{7BA2BB50-8F9C-7EE1-5100-33D9ADA368C1}"/>
               </a:ext>
             </a:extLst>
           </p:cNvPr>
@@ -1526,7 +1526,7 @@
           <p:cNvPr id="3" name="文本占位符 2">
             <a:extLst>
               <a:ext uri="{FF2B5EF4-FFF2-40B4-BE49-F238E27FC236}">
-                <a16:creationId xmlns:a16="http://schemas.microsoft.com/office/drawing/2014/main" id="{2C5702C1-D6E0-DFF7-8467-79F1C21226B7}"/>
+                <a16:creationId xmlns:a16="http://schemas.microsoft.com/office/drawing/2014/main" id="{E7E78051-F62B-DF7D-F210-648916C05C6A}"/>
               </a:ext>
             </a:extLst>
           </p:cNvPr>
@@ -1597,7 +1597,7 @@
           <p:cNvPr id="4" name="内容占位符 3">
             <a:extLst>
               <a:ext uri="{FF2B5EF4-FFF2-40B4-BE49-F238E27FC236}">
-                <a16:creationId xmlns:a16="http://schemas.microsoft.com/office/drawing/2014/main" id="{999A3FCE-C225-DFB6-F6D0-AC47BC244F93}"/>
+                <a16:creationId xmlns:a16="http://schemas.microsoft.com/office/drawing/2014/main" id="{6D6A1ACA-0465-02CC-026F-AF7FE8845BA7}"/>
               </a:ext>
             </a:extLst>
           </p:cNvPr>
@@ -1659,7 +1659,7 @@
           <p:cNvPr id="5" name="文本占位符 4">
             <a:extLst>
               <a:ext uri="{FF2B5EF4-FFF2-40B4-BE49-F238E27FC236}">
-                <a16:creationId xmlns:a16="http://schemas.microsoft.com/office/drawing/2014/main" id="{07A48C2A-9540-5B0D-810F-5865E3B804A1}"/>
+                <a16:creationId xmlns:a16="http://schemas.microsoft.com/office/drawing/2014/main" id="{515953CF-6943-CE97-7120-AE373BC2ECA7}"/>
               </a:ext>
             </a:extLst>
           </p:cNvPr>
@@ -1730,7 +1730,7 @@
           <p:cNvPr id="6" name="内容占位符 5">
             <a:extLst>
               <a:ext uri="{FF2B5EF4-FFF2-40B4-BE49-F238E27FC236}">
-                <a16:creationId xmlns:a16="http://schemas.microsoft.com/office/drawing/2014/main" id="{EB8CA0D3-7130-B2FF-1565-A2241D087230}"/>
+                <a16:creationId xmlns:a16="http://schemas.microsoft.com/office/drawing/2014/main" id="{2EE96D8D-3C76-B5E0-6EC0-38DB8E35AE73}"/>
               </a:ext>
             </a:extLst>
           </p:cNvPr>
@@ -1792,7 +1792,7 @@
           <p:cNvPr id="7" name="日期占位符 6">
             <a:extLst>
               <a:ext uri="{FF2B5EF4-FFF2-40B4-BE49-F238E27FC236}">
-                <a16:creationId xmlns:a16="http://schemas.microsoft.com/office/drawing/2014/main" id="{ABFF7324-4F79-8318-3BBF-AE4641AE3118}"/>
+                <a16:creationId xmlns:a16="http://schemas.microsoft.com/office/drawing/2014/main" id="{15FFAA85-2CC4-93C3-5481-E7CC5A7BC451}"/>
               </a:ext>
             </a:extLst>
           </p:cNvPr>
@@ -1808,7 +1808,7 @@
           <a:bodyPr/>
           <a:lstStyle/>
           <a:p>
-            <a:fld id="{6BEF7D6A-D9F8-401C-9842-8962F4C9FA1C}" type="datetimeFigureOut">
+            <a:fld id="{28D4FBC5-0DB7-445B-BD32-F43F54E2C1B9}" type="datetimeFigureOut">
               <a:rPr lang="zh-CN" altLang="en-US" smtClean="0"/>
               <a:t>2024/3/10</a:t>
             </a:fld>
@@ -1821,7 +1821,7 @@
           <p:cNvPr id="8" name="页脚占位符 7">
             <a:extLst>
               <a:ext uri="{FF2B5EF4-FFF2-40B4-BE49-F238E27FC236}">
-                <a16:creationId xmlns:a16="http://schemas.microsoft.com/office/drawing/2014/main" id="{F3F847D0-5BE8-D3BD-E03A-64C52A34F087}"/>
+                <a16:creationId xmlns:a16="http://schemas.microsoft.com/office/drawing/2014/main" id="{C16DAD2F-D6C2-6F10-DF44-415AF9C01A54}"/>
               </a:ext>
             </a:extLst>
           </p:cNvPr>
@@ -1846,7 +1846,7 @@
           <p:cNvPr id="9" name="灯片编号占位符 8">
             <a:extLst>
               <a:ext uri="{FF2B5EF4-FFF2-40B4-BE49-F238E27FC236}">
-                <a16:creationId xmlns:a16="http://schemas.microsoft.com/office/drawing/2014/main" id="{1CB27329-FF09-000D-4B98-57D657F10A41}"/>
+                <a16:creationId xmlns:a16="http://schemas.microsoft.com/office/drawing/2014/main" id="{1822090A-8F97-9307-40F1-2D3683DEB268}"/>
               </a:ext>
             </a:extLst>
           </p:cNvPr>
@@ -1862,7 +1862,7 @@
           <a:bodyPr/>
           <a:lstStyle/>
           <a:p>
-            <a:fld id="{8FBC8E9A-688F-426C-9428-17224A6850AF}" type="slidenum">
+            <a:fld id="{2039D4CA-0E5A-4E7B-B8E5-60D4545F84F4}" type="slidenum">
               <a:rPr lang="zh-CN" altLang="en-US" smtClean="0"/>
               <a:t>‹#›</a:t>
             </a:fld>
@@ -1873,7 +1873,7 @@
     </p:spTree>
     <p:extLst>
       <p:ext uri="{BB962C8B-B14F-4D97-AF65-F5344CB8AC3E}">
-        <p14:creationId xmlns:p14="http://schemas.microsoft.com/office/powerpoint/2010/main" val="4195139927"/>
+        <p14:creationId xmlns:p14="http://schemas.microsoft.com/office/powerpoint/2010/main" val="3788937180"/>
       </p:ext>
     </p:extLst>
   </p:cSld>
@@ -1905,7 +1905,7 @@
           <p:cNvPr id="2" name="标题 1">
             <a:extLst>
               <a:ext uri="{FF2B5EF4-FFF2-40B4-BE49-F238E27FC236}">
-                <a16:creationId xmlns:a16="http://schemas.microsoft.com/office/drawing/2014/main" id="{8FEF089F-957E-B036-4BB4-CEF0EA20897A}"/>
+                <a16:creationId xmlns:a16="http://schemas.microsoft.com/office/drawing/2014/main" id="{45CD8296-5DF2-C279-D1EF-B0CB3BA30C01}"/>
               </a:ext>
             </a:extLst>
           </p:cNvPr>
@@ -1933,7 +1933,7 @@
           <p:cNvPr id="3" name="日期占位符 2">
             <a:extLst>
               <a:ext uri="{FF2B5EF4-FFF2-40B4-BE49-F238E27FC236}">
-                <a16:creationId xmlns:a16="http://schemas.microsoft.com/office/drawing/2014/main" id="{9ABFC336-0818-D876-B3B7-1F07B3B37626}"/>
+                <a16:creationId xmlns:a16="http://schemas.microsoft.com/office/drawing/2014/main" id="{363D3583-BB3E-0C15-AF34-346B831E2965}"/>
               </a:ext>
             </a:extLst>
           </p:cNvPr>
@@ -1949,7 +1949,7 @@
           <a:bodyPr/>
           <a:lstStyle/>
           <a:p>
-            <a:fld id="{6BEF7D6A-D9F8-401C-9842-8962F4C9FA1C}" type="datetimeFigureOut">
+            <a:fld id="{28D4FBC5-0DB7-445B-BD32-F43F54E2C1B9}" type="datetimeFigureOut">
               <a:rPr lang="zh-CN" altLang="en-US" smtClean="0"/>
               <a:t>2024/3/10</a:t>
             </a:fld>
@@ -1962,7 +1962,7 @@
           <p:cNvPr id="4" name="页脚占位符 3">
             <a:extLst>
               <a:ext uri="{FF2B5EF4-FFF2-40B4-BE49-F238E27FC236}">
-                <a16:creationId xmlns:a16="http://schemas.microsoft.com/office/drawing/2014/main" id="{B4AB6A93-AEAB-479A-4554-749361D3DF2A}"/>
+                <a16:creationId xmlns:a16="http://schemas.microsoft.com/office/drawing/2014/main" id="{98B202D4-ED13-9215-9AB9-CF1B8D8D8A6D}"/>
               </a:ext>
             </a:extLst>
           </p:cNvPr>
@@ -1987,7 +1987,7 @@
           <p:cNvPr id="5" name="灯片编号占位符 4">
             <a:extLst>
               <a:ext uri="{FF2B5EF4-FFF2-40B4-BE49-F238E27FC236}">
-                <a16:creationId xmlns:a16="http://schemas.microsoft.com/office/drawing/2014/main" id="{CA347508-5A75-5115-25E1-2EF5F71C86A8}"/>
+                <a16:creationId xmlns:a16="http://schemas.microsoft.com/office/drawing/2014/main" id="{8C957962-E9C7-62C0-AD0E-F11491C67029}"/>
               </a:ext>
             </a:extLst>
           </p:cNvPr>
@@ -2003,7 +2003,7 @@
           <a:bodyPr/>
           <a:lstStyle/>
           <a:p>
-            <a:fld id="{8FBC8E9A-688F-426C-9428-17224A6850AF}" type="slidenum">
+            <a:fld id="{2039D4CA-0E5A-4E7B-B8E5-60D4545F84F4}" type="slidenum">
               <a:rPr lang="zh-CN" altLang="en-US" smtClean="0"/>
               <a:t>‹#›</a:t>
             </a:fld>
@@ -2014,7 +2014,7 @@
     </p:spTree>
     <p:extLst>
       <p:ext uri="{BB962C8B-B14F-4D97-AF65-F5344CB8AC3E}">
-        <p14:creationId xmlns:p14="http://schemas.microsoft.com/office/powerpoint/2010/main" val="1233331746"/>
+        <p14:creationId xmlns:p14="http://schemas.microsoft.com/office/powerpoint/2010/main" val="1284417969"/>
       </p:ext>
     </p:extLst>
   </p:cSld>
@@ -2046,7 +2046,7 @@
           <p:cNvPr id="2" name="日期占位符 1">
             <a:extLst>
               <a:ext uri="{FF2B5EF4-FFF2-40B4-BE49-F238E27FC236}">
-                <a16:creationId xmlns:a16="http://schemas.microsoft.com/office/drawing/2014/main" id="{00A59124-78F2-D1CC-624B-51A5D91335A6}"/>
+                <a16:creationId xmlns:a16="http://schemas.microsoft.com/office/drawing/2014/main" id="{C1B7EDB6-6235-4B3D-FCF5-85F352547B2E}"/>
               </a:ext>
             </a:extLst>
           </p:cNvPr>
@@ -2062,7 +2062,7 @@
           <a:bodyPr/>
           <a:lstStyle/>
           <a:p>
-            <a:fld id="{6BEF7D6A-D9F8-401C-9842-8962F4C9FA1C}" type="datetimeFigureOut">
+            <a:fld id="{28D4FBC5-0DB7-445B-BD32-F43F54E2C1B9}" type="datetimeFigureOut">
               <a:rPr lang="zh-CN" altLang="en-US" smtClean="0"/>
               <a:t>2024/3/10</a:t>
             </a:fld>
@@ -2075,7 +2075,7 @@
           <p:cNvPr id="3" name="页脚占位符 2">
             <a:extLst>
               <a:ext uri="{FF2B5EF4-FFF2-40B4-BE49-F238E27FC236}">
-                <a16:creationId xmlns:a16="http://schemas.microsoft.com/office/drawing/2014/main" id="{8D31F8BB-F0BA-2357-73F9-4AAABF780B42}"/>
+                <a16:creationId xmlns:a16="http://schemas.microsoft.com/office/drawing/2014/main" id="{2AC3A2FB-BC25-0F8C-18F9-DD29DEDA8C94}"/>
               </a:ext>
             </a:extLst>
           </p:cNvPr>
@@ -2100,7 +2100,7 @@
           <p:cNvPr id="4" name="灯片编号占位符 3">
             <a:extLst>
               <a:ext uri="{FF2B5EF4-FFF2-40B4-BE49-F238E27FC236}">
-                <a16:creationId xmlns:a16="http://schemas.microsoft.com/office/drawing/2014/main" id="{573CE9F2-466F-66F1-9A02-F49257159974}"/>
+                <a16:creationId xmlns:a16="http://schemas.microsoft.com/office/drawing/2014/main" id="{19AB9A00-4BA6-570A-DC1A-4B328C1E2E17}"/>
               </a:ext>
             </a:extLst>
           </p:cNvPr>
@@ -2116,7 +2116,7 @@
           <a:bodyPr/>
           <a:lstStyle/>
           <a:p>
-            <a:fld id="{8FBC8E9A-688F-426C-9428-17224A6850AF}" type="slidenum">
+            <a:fld id="{2039D4CA-0E5A-4E7B-B8E5-60D4545F84F4}" type="slidenum">
               <a:rPr lang="zh-CN" altLang="en-US" smtClean="0"/>
               <a:t>‹#›</a:t>
             </a:fld>
@@ -2127,7 +2127,7 @@
     </p:spTree>
     <p:extLst>
       <p:ext uri="{BB962C8B-B14F-4D97-AF65-F5344CB8AC3E}">
-        <p14:creationId xmlns:p14="http://schemas.microsoft.com/office/powerpoint/2010/main" val="2534938078"/>
+        <p14:creationId xmlns:p14="http://schemas.microsoft.com/office/powerpoint/2010/main" val="3304590736"/>
       </p:ext>
     </p:extLst>
   </p:cSld>
@@ -2159,7 +2159,7 @@
           <p:cNvPr id="2" name="标题 1">
             <a:extLst>
               <a:ext uri="{FF2B5EF4-FFF2-40B4-BE49-F238E27FC236}">
-                <a16:creationId xmlns:a16="http://schemas.microsoft.com/office/drawing/2014/main" id="{5ED8E355-E84A-CA88-8858-2A28C4367DD5}"/>
+                <a16:creationId xmlns:a16="http://schemas.microsoft.com/office/drawing/2014/main" id="{701A11D1-E90F-2B80-DAC4-89AE4B8ECBFD}"/>
               </a:ext>
             </a:extLst>
           </p:cNvPr>
@@ -2196,7 +2196,7 @@
           <p:cNvPr id="3" name="内容占位符 2">
             <a:extLst>
               <a:ext uri="{FF2B5EF4-FFF2-40B4-BE49-F238E27FC236}">
-                <a16:creationId xmlns:a16="http://schemas.microsoft.com/office/drawing/2014/main" id="{871A3FA4-56D2-1F98-9D86-0F4AEEC33D34}"/>
+                <a16:creationId xmlns:a16="http://schemas.microsoft.com/office/drawing/2014/main" id="{3EAAEC0B-2EE0-0B06-A8EE-F584F06756B7}"/>
               </a:ext>
             </a:extLst>
           </p:cNvPr>
@@ -2286,7 +2286,7 @@
           <p:cNvPr id="4" name="文本占位符 3">
             <a:extLst>
               <a:ext uri="{FF2B5EF4-FFF2-40B4-BE49-F238E27FC236}">
-                <a16:creationId xmlns:a16="http://schemas.microsoft.com/office/drawing/2014/main" id="{936767E8-F440-5490-2861-E781B70D9180}"/>
+                <a16:creationId xmlns:a16="http://schemas.microsoft.com/office/drawing/2014/main" id="{503E4119-50DD-5FDB-B6BF-8C2FC1789184}"/>
               </a:ext>
             </a:extLst>
           </p:cNvPr>
@@ -2357,7 +2357,7 @@
           <p:cNvPr id="5" name="日期占位符 4">
             <a:extLst>
               <a:ext uri="{FF2B5EF4-FFF2-40B4-BE49-F238E27FC236}">
-                <a16:creationId xmlns:a16="http://schemas.microsoft.com/office/drawing/2014/main" id="{CC382D79-ABAA-4712-248B-459DD5B56047}"/>
+                <a16:creationId xmlns:a16="http://schemas.microsoft.com/office/drawing/2014/main" id="{AC4DD53E-2E4D-B2A9-829F-15F7E2B7142E}"/>
               </a:ext>
             </a:extLst>
           </p:cNvPr>
@@ -2373,7 +2373,7 @@
           <a:bodyPr/>
           <a:lstStyle/>
           <a:p>
-            <a:fld id="{6BEF7D6A-D9F8-401C-9842-8962F4C9FA1C}" type="datetimeFigureOut">
+            <a:fld id="{28D4FBC5-0DB7-445B-BD32-F43F54E2C1B9}" type="datetimeFigureOut">
               <a:rPr lang="zh-CN" altLang="en-US" smtClean="0"/>
               <a:t>2024/3/10</a:t>
             </a:fld>
@@ -2386,7 +2386,7 @@
           <p:cNvPr id="6" name="页脚占位符 5">
             <a:extLst>
               <a:ext uri="{FF2B5EF4-FFF2-40B4-BE49-F238E27FC236}">
-                <a16:creationId xmlns:a16="http://schemas.microsoft.com/office/drawing/2014/main" id="{98E12BD0-4E81-ED22-0AA1-63C6B33EF52B}"/>
+                <a16:creationId xmlns:a16="http://schemas.microsoft.com/office/drawing/2014/main" id="{27CB1240-382F-8AAC-43F5-87CDC20C2F24}"/>
               </a:ext>
             </a:extLst>
           </p:cNvPr>
@@ -2411,7 +2411,7 @@
           <p:cNvPr id="7" name="灯片编号占位符 6">
             <a:extLst>
               <a:ext uri="{FF2B5EF4-FFF2-40B4-BE49-F238E27FC236}">
-                <a16:creationId xmlns:a16="http://schemas.microsoft.com/office/drawing/2014/main" id="{38FBDA44-58FB-4499-2BE3-BD2FEB76733D}"/>
+                <a16:creationId xmlns:a16="http://schemas.microsoft.com/office/drawing/2014/main" id="{291E4934-BB57-20BA-6145-4983D7635DEA}"/>
               </a:ext>
             </a:extLst>
           </p:cNvPr>
@@ -2427,7 +2427,7 @@
           <a:bodyPr/>
           <a:lstStyle/>
           <a:p>
-            <a:fld id="{8FBC8E9A-688F-426C-9428-17224A6850AF}" type="slidenum">
+            <a:fld id="{2039D4CA-0E5A-4E7B-B8E5-60D4545F84F4}" type="slidenum">
               <a:rPr lang="zh-CN" altLang="en-US" smtClean="0"/>
               <a:t>‹#›</a:t>
             </a:fld>
@@ -2438,7 +2438,7 @@
     </p:spTree>
     <p:extLst>
       <p:ext uri="{BB962C8B-B14F-4D97-AF65-F5344CB8AC3E}">
-        <p14:creationId xmlns:p14="http://schemas.microsoft.com/office/powerpoint/2010/main" val="1877477880"/>
+        <p14:creationId xmlns:p14="http://schemas.microsoft.com/office/powerpoint/2010/main" val="1490394559"/>
       </p:ext>
     </p:extLst>
   </p:cSld>
@@ -2470,7 +2470,7 @@
           <p:cNvPr id="2" name="标题 1">
             <a:extLst>
               <a:ext uri="{FF2B5EF4-FFF2-40B4-BE49-F238E27FC236}">
-                <a16:creationId xmlns:a16="http://schemas.microsoft.com/office/drawing/2014/main" id="{C936B714-93EB-4C4C-ED43-F0AC67650434}"/>
+                <a16:creationId xmlns:a16="http://schemas.microsoft.com/office/drawing/2014/main" id="{C239964E-8FC5-70A4-22BE-406FE4FA286F}"/>
               </a:ext>
             </a:extLst>
           </p:cNvPr>
@@ -2507,7 +2507,7 @@
           <p:cNvPr id="3" name="图片占位符 2">
             <a:extLst>
               <a:ext uri="{FF2B5EF4-FFF2-40B4-BE49-F238E27FC236}">
-                <a16:creationId xmlns:a16="http://schemas.microsoft.com/office/drawing/2014/main" id="{DC452C86-B890-44BD-725C-E435B919F6AD}"/>
+                <a16:creationId xmlns:a16="http://schemas.microsoft.com/office/drawing/2014/main" id="{773775FF-6E1C-B025-76A2-176BF460FE1D}"/>
               </a:ext>
             </a:extLst>
           </p:cNvPr>
@@ -2574,7 +2574,7 @@
           <p:cNvPr id="4" name="文本占位符 3">
             <a:extLst>
               <a:ext uri="{FF2B5EF4-FFF2-40B4-BE49-F238E27FC236}">
-                <a16:creationId xmlns:a16="http://schemas.microsoft.com/office/drawing/2014/main" id="{922D0CF5-37A2-86C9-BDC5-F1BF817F1273}"/>
+                <a16:creationId xmlns:a16="http://schemas.microsoft.com/office/drawing/2014/main" id="{BA3B94C0-C9DB-9561-C15A-E5D78C036C6B}"/>
               </a:ext>
             </a:extLst>
           </p:cNvPr>
@@ -2645,7 +2645,7 @@
           <p:cNvPr id="5" name="日期占位符 4">
             <a:extLst>
               <a:ext uri="{FF2B5EF4-FFF2-40B4-BE49-F238E27FC236}">
-                <a16:creationId xmlns:a16="http://schemas.microsoft.com/office/drawing/2014/main" id="{9720B9ED-5F25-668B-A540-AB660368141F}"/>
+                <a16:creationId xmlns:a16="http://schemas.microsoft.com/office/drawing/2014/main" id="{F9294ED8-1120-52E4-C15D-F5A483449B6C}"/>
               </a:ext>
             </a:extLst>
           </p:cNvPr>
@@ -2661,7 +2661,7 @@
           <a:bodyPr/>
           <a:lstStyle/>
           <a:p>
-            <a:fld id="{6BEF7D6A-D9F8-401C-9842-8962F4C9FA1C}" type="datetimeFigureOut">
+            <a:fld id="{28D4FBC5-0DB7-445B-BD32-F43F54E2C1B9}" type="datetimeFigureOut">
               <a:rPr lang="zh-CN" altLang="en-US" smtClean="0"/>
               <a:t>2024/3/10</a:t>
             </a:fld>
@@ -2674,7 +2674,7 @@
           <p:cNvPr id="6" name="页脚占位符 5">
             <a:extLst>
               <a:ext uri="{FF2B5EF4-FFF2-40B4-BE49-F238E27FC236}">
-                <a16:creationId xmlns:a16="http://schemas.microsoft.com/office/drawing/2014/main" id="{DBF0B521-5DC0-3E8A-769F-0DDEC6319ED5}"/>
+                <a16:creationId xmlns:a16="http://schemas.microsoft.com/office/drawing/2014/main" id="{BF10726C-9DC5-FCAE-DEA7-3EF3F08685DB}"/>
               </a:ext>
             </a:extLst>
           </p:cNvPr>
@@ -2699,7 +2699,7 @@
           <p:cNvPr id="7" name="灯片编号占位符 6">
             <a:extLst>
               <a:ext uri="{FF2B5EF4-FFF2-40B4-BE49-F238E27FC236}">
-                <a16:creationId xmlns:a16="http://schemas.microsoft.com/office/drawing/2014/main" id="{70237455-EC08-3DFD-F23C-C9393B9F7728}"/>
+                <a16:creationId xmlns:a16="http://schemas.microsoft.com/office/drawing/2014/main" id="{DE2AF011-EBAD-8E1F-3983-05879B02DDE8}"/>
               </a:ext>
             </a:extLst>
           </p:cNvPr>
@@ -2715,7 +2715,7 @@
           <a:bodyPr/>
           <a:lstStyle/>
           <a:p>
-            <a:fld id="{8FBC8E9A-688F-426C-9428-17224A6850AF}" type="slidenum">
+            <a:fld id="{2039D4CA-0E5A-4E7B-B8E5-60D4545F84F4}" type="slidenum">
               <a:rPr lang="zh-CN" altLang="en-US" smtClean="0"/>
               <a:t>‹#›</a:t>
             </a:fld>
@@ -2726,7 +2726,7 @@
     </p:spTree>
     <p:extLst>
       <p:ext uri="{BB962C8B-B14F-4D97-AF65-F5344CB8AC3E}">
-        <p14:creationId xmlns:p14="http://schemas.microsoft.com/office/powerpoint/2010/main" val="1813353892"/>
+        <p14:creationId xmlns:p14="http://schemas.microsoft.com/office/powerpoint/2010/main" val="3974615153"/>
       </p:ext>
     </p:extLst>
   </p:cSld>
@@ -2763,7 +2763,7 @@
           <p:cNvPr id="2" name="标题占位符 1">
             <a:extLst>
               <a:ext uri="{FF2B5EF4-FFF2-40B4-BE49-F238E27FC236}">
-                <a16:creationId xmlns:a16="http://schemas.microsoft.com/office/drawing/2014/main" id="{639550FA-FD44-0F7E-2CE0-393622E19A79}"/>
+                <a16:creationId xmlns:a16="http://schemas.microsoft.com/office/drawing/2014/main" id="{DFD2EA6C-AF6D-6F02-AA61-A2B6BD34D8F7}"/>
               </a:ext>
             </a:extLst>
           </p:cNvPr>
@@ -2801,7 +2801,7 @@
           <p:cNvPr id="3" name="文本占位符 2">
             <a:extLst>
               <a:ext uri="{FF2B5EF4-FFF2-40B4-BE49-F238E27FC236}">
-                <a16:creationId xmlns:a16="http://schemas.microsoft.com/office/drawing/2014/main" id="{D45E969F-BB23-2429-A8A1-1255B8209DA3}"/>
+                <a16:creationId xmlns:a16="http://schemas.microsoft.com/office/drawing/2014/main" id="{D2B6462B-98EB-8099-CB97-D9748321E488}"/>
               </a:ext>
             </a:extLst>
           </p:cNvPr>
@@ -2868,7 +2868,7 @@
           <p:cNvPr id="4" name="日期占位符 3">
             <a:extLst>
               <a:ext uri="{FF2B5EF4-FFF2-40B4-BE49-F238E27FC236}">
-                <a16:creationId xmlns:a16="http://schemas.microsoft.com/office/drawing/2014/main" id="{D5AC12B4-1A20-28EE-C355-ADD190500E92}"/>
+                <a16:creationId xmlns:a16="http://schemas.microsoft.com/office/drawing/2014/main" id="{89A5D976-B451-7302-15E0-6556460E18B2}"/>
               </a:ext>
             </a:extLst>
           </p:cNvPr>
@@ -2902,7 +2902,7 @@
             </a:lvl1pPr>
           </a:lstStyle>
           <a:p>
-            <a:fld id="{6BEF7D6A-D9F8-401C-9842-8962F4C9FA1C}" type="datetimeFigureOut">
+            <a:fld id="{28D4FBC5-0DB7-445B-BD32-F43F54E2C1B9}" type="datetimeFigureOut">
               <a:rPr lang="zh-CN" altLang="en-US" smtClean="0"/>
               <a:t>2024/3/10</a:t>
             </a:fld>
@@ -2915,7 +2915,7 @@
           <p:cNvPr id="5" name="页脚占位符 4">
             <a:extLst>
               <a:ext uri="{FF2B5EF4-FFF2-40B4-BE49-F238E27FC236}">
-                <a16:creationId xmlns:a16="http://schemas.microsoft.com/office/drawing/2014/main" id="{1A943945-AAA1-28E9-56E8-2E6591793FE6}"/>
+                <a16:creationId xmlns:a16="http://schemas.microsoft.com/office/drawing/2014/main" id="{735372C7-94E2-2C25-B2C1-4355B5DEDC2E}"/>
               </a:ext>
             </a:extLst>
           </p:cNvPr>
@@ -2958,7 +2958,7 @@
           <p:cNvPr id="6" name="灯片编号占位符 5">
             <a:extLst>
               <a:ext uri="{FF2B5EF4-FFF2-40B4-BE49-F238E27FC236}">
-                <a16:creationId xmlns:a16="http://schemas.microsoft.com/office/drawing/2014/main" id="{B98F8108-8399-B366-25F2-0AFB26ECFA29}"/>
+                <a16:creationId xmlns:a16="http://schemas.microsoft.com/office/drawing/2014/main" id="{F7518CF2-14BF-DC76-9C05-36A9D6960976}"/>
               </a:ext>
             </a:extLst>
           </p:cNvPr>
@@ -2992,7 +2992,7 @@
             </a:lvl1pPr>
           </a:lstStyle>
           <a:p>
-            <a:fld id="{8FBC8E9A-688F-426C-9428-17224A6850AF}" type="slidenum">
+            <a:fld id="{2039D4CA-0E5A-4E7B-B8E5-60D4545F84F4}" type="slidenum">
               <a:rPr lang="zh-CN" altLang="en-US" smtClean="0"/>
               <a:t>‹#›</a:t>
             </a:fld>
@@ -3003,7 +3003,7 @@
     </p:spTree>
     <p:extLst>
       <p:ext uri="{BB962C8B-B14F-4D97-AF65-F5344CB8AC3E}">
-        <p14:creationId xmlns:p14="http://schemas.microsoft.com/office/powerpoint/2010/main" val="1064263696"/>
+        <p14:creationId xmlns:p14="http://schemas.microsoft.com/office/powerpoint/2010/main" val="3350687752"/>
       </p:ext>
     </p:extLst>
   </p:cSld>
